--- a/Document/内部設計書/レビュー記録表 内部設計書v1 1207.pptx
+++ b/Document/内部設計書/レビュー記録表 内部設計書v1 1207.pptx
@@ -262,7 +262,7 @@
           <a:p>
             <a:fld id="{1538B016-4525-4B4C-8BCD-84020BBE00FC}" type="datetimeFigureOut">
               <a:rPr kumimoji="1" lang="ja-JP" altLang="en-US" smtClean="0"/>
-              <a:t>2018/12/7</a:t>
+              <a:t>2018/12/10</a:t>
             </a:fld>
             <a:endParaRPr kumimoji="1" lang="ja-JP" altLang="en-US"/>
           </a:p>
@@ -492,7 +492,7 @@
           <a:p>
             <a:fld id="{1538B016-4525-4B4C-8BCD-84020BBE00FC}" type="datetimeFigureOut">
               <a:rPr kumimoji="1" lang="ja-JP" altLang="en-US" smtClean="0"/>
-              <a:t>2018/12/7</a:t>
+              <a:t>2018/12/10</a:t>
             </a:fld>
             <a:endParaRPr kumimoji="1" lang="ja-JP" altLang="en-US"/>
           </a:p>
@@ -732,7 +732,7 @@
           <a:p>
             <a:fld id="{1538B016-4525-4B4C-8BCD-84020BBE00FC}" type="datetimeFigureOut">
               <a:rPr kumimoji="1" lang="ja-JP" altLang="en-US" smtClean="0"/>
-              <a:t>2018/12/7</a:t>
+              <a:t>2018/12/10</a:t>
             </a:fld>
             <a:endParaRPr kumimoji="1" lang="ja-JP" altLang="en-US"/>
           </a:p>
@@ -962,7 +962,7 @@
           <a:p>
             <a:fld id="{1538B016-4525-4B4C-8BCD-84020BBE00FC}" type="datetimeFigureOut">
               <a:rPr kumimoji="1" lang="ja-JP" altLang="en-US" smtClean="0"/>
-              <a:t>2018/12/7</a:t>
+              <a:t>2018/12/10</a:t>
             </a:fld>
             <a:endParaRPr kumimoji="1" lang="ja-JP" altLang="en-US"/>
           </a:p>
@@ -1237,7 +1237,7 @@
           <a:p>
             <a:fld id="{1538B016-4525-4B4C-8BCD-84020BBE00FC}" type="datetimeFigureOut">
               <a:rPr kumimoji="1" lang="ja-JP" altLang="en-US" smtClean="0"/>
-              <a:t>2018/12/7</a:t>
+              <a:t>2018/12/10</a:t>
             </a:fld>
             <a:endParaRPr kumimoji="1" lang="ja-JP" altLang="en-US"/>
           </a:p>
@@ -1566,7 +1566,7 @@
           <a:p>
             <a:fld id="{1538B016-4525-4B4C-8BCD-84020BBE00FC}" type="datetimeFigureOut">
               <a:rPr kumimoji="1" lang="ja-JP" altLang="en-US" smtClean="0"/>
-              <a:t>2018/12/7</a:t>
+              <a:t>2018/12/10</a:t>
             </a:fld>
             <a:endParaRPr kumimoji="1" lang="ja-JP" altLang="en-US"/>
           </a:p>
@@ -2042,7 +2042,7 @@
           <a:p>
             <a:fld id="{1538B016-4525-4B4C-8BCD-84020BBE00FC}" type="datetimeFigureOut">
               <a:rPr kumimoji="1" lang="ja-JP" altLang="en-US" smtClean="0"/>
-              <a:t>2018/12/7</a:t>
+              <a:t>2018/12/10</a:t>
             </a:fld>
             <a:endParaRPr kumimoji="1" lang="ja-JP" altLang="en-US"/>
           </a:p>
@@ -2183,7 +2183,7 @@
           <a:p>
             <a:fld id="{1538B016-4525-4B4C-8BCD-84020BBE00FC}" type="datetimeFigureOut">
               <a:rPr kumimoji="1" lang="ja-JP" altLang="en-US" smtClean="0"/>
-              <a:t>2018/12/7</a:t>
+              <a:t>2018/12/10</a:t>
             </a:fld>
             <a:endParaRPr kumimoji="1" lang="ja-JP" altLang="en-US"/>
           </a:p>
@@ -2296,7 +2296,7 @@
           <a:p>
             <a:fld id="{1538B016-4525-4B4C-8BCD-84020BBE00FC}" type="datetimeFigureOut">
               <a:rPr kumimoji="1" lang="ja-JP" altLang="en-US" smtClean="0"/>
-              <a:t>2018/12/7</a:t>
+              <a:t>2018/12/10</a:t>
             </a:fld>
             <a:endParaRPr kumimoji="1" lang="ja-JP" altLang="en-US"/>
           </a:p>
@@ -2639,7 +2639,7 @@
           <a:p>
             <a:fld id="{1538B016-4525-4B4C-8BCD-84020BBE00FC}" type="datetimeFigureOut">
               <a:rPr kumimoji="1" lang="ja-JP" altLang="en-US" smtClean="0"/>
-              <a:t>2018/12/7</a:t>
+              <a:t>2018/12/10</a:t>
             </a:fld>
             <a:endParaRPr kumimoji="1" lang="ja-JP" altLang="en-US"/>
           </a:p>
@@ -2927,7 +2927,7 @@
           <a:p>
             <a:fld id="{1538B016-4525-4B4C-8BCD-84020BBE00FC}" type="datetimeFigureOut">
               <a:rPr kumimoji="1" lang="ja-JP" altLang="en-US" smtClean="0"/>
-              <a:t>2018/12/7</a:t>
+              <a:t>2018/12/10</a:t>
             </a:fld>
             <a:endParaRPr kumimoji="1" lang="ja-JP" altLang="en-US"/>
           </a:p>
@@ -3200,7 +3200,7 @@
           <a:p>
             <a:fld id="{1538B016-4525-4B4C-8BCD-84020BBE00FC}" type="datetimeFigureOut">
               <a:rPr kumimoji="1" lang="ja-JP" altLang="en-US" smtClean="0"/>
-              <a:t>2018/12/7</a:t>
+              <a:t>2018/12/10</a:t>
             </a:fld>
             <a:endParaRPr kumimoji="1" lang="ja-JP" altLang="en-US"/>
           </a:p>
@@ -9049,7 +9049,11 @@
           <a:p>
             <a:r>
               <a:rPr kumimoji="1" lang="en-US" altLang="ja-JP" sz="1100" dirty="0"/>
-              <a:t>P? ?</a:t>
+              <a:t>P8 </a:t>
+            </a:r>
+            <a:r>
+              <a:rPr lang="en-US" altLang="ja-JP" sz="1100" dirty="0"/>
+              <a:t>15</a:t>
             </a:r>
             <a:r>
               <a:rPr lang="ja-JP" altLang="en-US" sz="1100" dirty="0"/>
@@ -9457,7 +9461,11 @@
           <a:p>
             <a:r>
               <a:rPr kumimoji="1" lang="en-US" altLang="ja-JP" sz="1100" dirty="0"/>
-              <a:t>P? ?</a:t>
+              <a:t>P8 </a:t>
+            </a:r>
+            <a:r>
+              <a:rPr lang="en-US" altLang="ja-JP" sz="1100" dirty="0"/>
+              <a:t>20</a:t>
             </a:r>
             <a:r>
               <a:rPr lang="ja-JP" altLang="en-US" sz="1100" dirty="0"/>
@@ -9841,11 +9849,15 @@
           <a:lstStyle/>
           <a:p>
             <a:r>
-              <a:rPr kumimoji="1" lang="en-US" altLang="ja-JP" sz="1100" dirty="0"/>
-              <a:t>P? ?</a:t>
-            </a:r>
-            <a:r>
-              <a:rPr lang="ja-JP" altLang="en-US" sz="1100" dirty="0"/>
+              <a:rPr kumimoji="1" lang="en-US" altLang="ja-JP" sz="1100"/>
+              <a:t>P9 </a:t>
+            </a:r>
+            <a:r>
+              <a:rPr lang="en-US" altLang="ja-JP" sz="1100" dirty="0"/>
+              <a:t>1</a:t>
+            </a:r>
+            <a:r>
+              <a:rPr lang="ja-JP" altLang="en-US" sz="1100"/>
               <a:t>行</a:t>
             </a:r>
             <a:endParaRPr kumimoji="1" lang="ja-JP" altLang="en-US" sz="700" dirty="0"/>
